--- a/HyperRail/Admin/HyperRail Overview.pptx
+++ b/HyperRail/Admin/HyperRail Overview.pptx
@@ -220,7 +220,7 @@
           <a:p>
             <a:fld id="{BB37BDEB-D08A-4BCC-82C3-65677B6346BB}" type="datetimeFigureOut">
               <a:rPr lang="en-US" smtClean="0"/>
-              <a:t>2/4/2021</a:t>
+              <a:t>2/5/2021</a:t>
             </a:fld>
             <a:endParaRPr lang="en-US"/>
           </a:p>
@@ -397,7 +397,7 @@
           <a:p>
             <a:fld id="{D64182BB-4E27-4552-8EE4-33C8EF731305}" type="datetimeFigureOut">
               <a:rPr lang="en-US" smtClean="0"/>
-              <a:t>2/4/2021</a:t>
+              <a:t>2/5/2021</a:t>
             </a:fld>
             <a:endParaRPr lang="en-US"/>
           </a:p>
@@ -902,7 +902,7 @@
           <a:p>
             <a:fld id="{ED291B17-9318-49DB-B28B-6E5994AE9581}" type="datetime1">
               <a:rPr lang="en-US" smtClean="0"/>
-              <a:t>2/4/2021</a:t>
+              <a:t>2/5/2021</a:t>
             </a:fld>
             <a:endParaRPr lang="en-US" dirty="0"/>
           </a:p>
@@ -1061,7 +1061,7 @@
           <a:p>
             <a:fld id="{4EDE50D6-574B-40AF-946F-D52A04ADE379}" type="datetime1">
               <a:rPr lang="en-US" smtClean="0"/>
-              <a:t>2/4/2021</a:t>
+              <a:t>2/5/2021</a:t>
             </a:fld>
             <a:endParaRPr lang="en-US" dirty="0"/>
           </a:p>
@@ -1473,7 +1473,7 @@
           <a:p>
             <a:fld id="{4EDE50D6-574B-40AF-946F-D52A04ADE379}" type="datetime1">
               <a:rPr lang="en-US" smtClean="0"/>
-              <a:t>2/4/2021</a:t>
+              <a:t>2/5/2021</a:t>
             </a:fld>
             <a:endParaRPr lang="en-US" dirty="0"/>
           </a:p>
@@ -1949,7 +1949,7 @@
           <a:p>
             <a:fld id="{4EDE50D6-574B-40AF-946F-D52A04ADE379}" type="datetime1">
               <a:rPr lang="en-US" smtClean="0"/>
-              <a:t>2/4/2021</a:t>
+              <a:t>2/5/2021</a:t>
             </a:fld>
             <a:endParaRPr lang="en-US" dirty="0"/>
           </a:p>
@@ -2398,7 +2398,7 @@
           <a:p>
             <a:fld id="{4EDE50D6-574B-40AF-946F-D52A04ADE379}" type="datetime1">
               <a:rPr lang="en-US" smtClean="0"/>
-              <a:t>2/4/2021</a:t>
+              <a:t>2/5/2021</a:t>
             </a:fld>
             <a:endParaRPr lang="en-US" dirty="0"/>
           </a:p>
@@ -2630,7 +2630,7 @@
           <a:p>
             <a:fld id="{4EDE50D6-574B-40AF-946F-D52A04ADE379}" type="datetime1">
               <a:rPr lang="en-US" noProof="0" smtClean="0"/>
-              <a:t>2/4/2021</a:t>
+              <a:t>2/5/2021</a:t>
             </a:fld>
             <a:endParaRPr lang="en-US" noProof="0"/>
           </a:p>
@@ -3328,7 +3328,7 @@
           <a:p>
             <a:fld id="{4EDE50D6-574B-40AF-946F-D52A04ADE379}" type="datetime1">
               <a:rPr lang="en-US" noProof="0" smtClean="0"/>
-              <a:t>2/4/2021</a:t>
+              <a:t>2/5/2021</a:t>
             </a:fld>
             <a:endParaRPr lang="en-US" noProof="0"/>
           </a:p>
@@ -3685,7 +3685,7 @@
           <a:p>
             <a:fld id="{4EDE50D6-574B-40AF-946F-D52A04ADE379}" type="datetime1">
               <a:rPr lang="en-US" noProof="0" smtClean="0"/>
-              <a:t>2/4/2021</a:t>
+              <a:t>2/5/2021</a:t>
             </a:fld>
             <a:endParaRPr lang="en-US" noProof="0"/>
           </a:p>
@@ -4247,7 +4247,7 @@
           <a:p>
             <a:fld id="{78DD82B9-B8EE-4375-B6FF-88FA6ABB15D9}" type="datetime1">
               <a:rPr lang="en-US" smtClean="0"/>
-              <a:t>2/4/2021</a:t>
+              <a:t>2/5/2021</a:t>
             </a:fld>
             <a:endParaRPr lang="en-US" dirty="0"/>
           </a:p>
@@ -4595,7 +4595,7 @@
           <a:p>
             <a:fld id="{78DD82B9-B8EE-4375-B6FF-88FA6ABB15D9}" type="datetime1">
               <a:rPr lang="en-US" smtClean="0"/>
-              <a:t>2/4/2021</a:t>
+              <a:t>2/5/2021</a:t>
             </a:fld>
             <a:endParaRPr lang="en-US" dirty="0"/>
           </a:p>
@@ -4998,7 +4998,7 @@
           <a:p>
             <a:fld id="{B2497495-0637-405E-AE64-5CC7506D51F5}" type="datetime1">
               <a:rPr lang="en-US" smtClean="0"/>
-              <a:t>2/4/2021</a:t>
+              <a:t>2/5/2021</a:t>
             </a:fld>
             <a:endParaRPr lang="en-US" dirty="0"/>
           </a:p>
@@ -5291,7 +5291,7 @@
           <a:p>
             <a:fld id="{7BFFD690-9426-415D-8B65-26881E07B2D4}" type="datetime1">
               <a:rPr lang="en-US" smtClean="0"/>
-              <a:t>2/4/2021</a:t>
+              <a:t>2/5/2021</a:t>
             </a:fld>
             <a:endParaRPr lang="en-US" dirty="0"/>
           </a:p>
@@ -5785,7 +5785,7 @@
           <a:p>
             <a:fld id="{04C4989A-474C-40DE-95B9-011C28B71673}" type="datetime1">
               <a:rPr lang="en-US" smtClean="0"/>
-              <a:t>2/4/2021</a:t>
+              <a:t>2/5/2021</a:t>
             </a:fld>
             <a:endParaRPr lang="en-US" dirty="0"/>
           </a:p>
@@ -6089,7 +6089,7 @@
           <a:p>
             <a:fld id="{5DB4ED54-5B5E-4A04-93D3-5772E3CE3818}" type="datetime1">
               <a:rPr lang="en-US" smtClean="0"/>
-              <a:t>2/4/2021</a:t>
+              <a:t>2/5/2021</a:t>
             </a:fld>
             <a:endParaRPr lang="en-US" dirty="0"/>
           </a:p>
@@ -6276,7 +6276,7 @@
           <a:p>
             <a:fld id="{4EDE50D6-574B-40AF-946F-D52A04ADE379}" type="datetime1">
               <a:rPr lang="en-US" smtClean="0"/>
-              <a:t>2/4/2021</a:t>
+              <a:t>2/5/2021</a:t>
             </a:fld>
             <a:endParaRPr lang="en-US" dirty="0"/>
           </a:p>
@@ -6488,7 +6488,7 @@
           <a:p>
             <a:fld id="{4EDE50D6-574B-40AF-946F-D52A04ADE379}" type="datetime1">
               <a:rPr lang="en-US" smtClean="0"/>
-              <a:t>2/4/2021</a:t>
+              <a:t>2/5/2021</a:t>
             </a:fld>
             <a:endParaRPr lang="en-US" dirty="0"/>
           </a:p>
@@ -6920,7 +6920,7 @@
           <a:p>
             <a:fld id="{ED291B17-9318-49DB-B28B-6E5994AE9581}" type="datetime1">
               <a:rPr lang="en-US" smtClean="0"/>
-              <a:t>2/4/2021</a:t>
+              <a:t>2/5/2021</a:t>
             </a:fld>
             <a:endParaRPr lang="en-US" dirty="0"/>
           </a:p>
@@ -7892,21 +7892,21 @@
             <a:pPr lvl="1"/>
             <a:r>
               <a:rPr lang="en-US" dirty="0"/>
-              <a:t>Fall 2021: 3 Project Credits </a:t>
+              <a:t>Fall 2021: 4 Project Credits </a:t>
             </a:r>
           </a:p>
           <a:p>
             <a:pPr lvl="1"/>
             <a:r>
               <a:rPr lang="en-US" dirty="0"/>
-              <a:t>Winter 2022: 3 Project Credits</a:t>
+              <a:t>Winter 2022: 4 Project Credits</a:t>
             </a:r>
           </a:p>
           <a:p>
             <a:pPr lvl="1"/>
             <a:r>
               <a:rPr lang="en-US" dirty="0"/>
-              <a:t>Spring 2022: 4 Project Credits </a:t>
+              <a:t>Spring 2022: 6 Project Credits </a:t>
             </a:r>
           </a:p>
         </p:txBody>
@@ -9147,24 +9147,6 @@
 </file>
 
 <file path=customXml/item1.xml><?xml version="1.0" encoding="utf-8"?>
-<p:properties xmlns:p="http://schemas.microsoft.com/office/2006/metadata/properties" xmlns:xsi="http://www.w3.org/2001/XMLSchema-instance" xmlns:pc="http://schemas.microsoft.com/office/infopath/2007/PartnerControls">
-  <documentManagement>
-    <Status xmlns="71af3243-3dd4-4a8d-8c0d-dd76da1f02a5">Not started</Status>
-    <MediaServiceKeyPoints xmlns="71af3243-3dd4-4a8d-8c0d-dd76da1f02a5" xsi:nil="true"/>
-  </documentManagement>
-</p:properties>
-</file>
-
-<file path=customXml/item2.xml><?xml version="1.0" encoding="utf-8"?>
-<?mso-contentType ?>
-<FormTemplates xmlns="http://schemas.microsoft.com/sharepoint/v3/contenttype/forms">
-  <Display>DocumentLibraryForm</Display>
-  <Edit>DocumentLibraryForm</Edit>
-  <New>DocumentLibraryForm</New>
-</FormTemplates>
-</file>
-
-<file path=customXml/item3.xml><?xml version="1.0" encoding="utf-8"?>
 <ct:contentTypeSchema xmlns:ct="http://schemas.microsoft.com/office/2006/metadata/contentType" xmlns:ma="http://schemas.microsoft.com/office/2006/metadata/properties/metaAttributes" ct:_="" ma:_="" ma:contentTypeName="Document" ma:contentTypeID="0x01010079F111ED35F8CC479449609E8A0923A6" ma:contentTypeVersion="12" ma:contentTypeDescription="Create a new document." ma:contentTypeScope="" ma:versionID="b385d60f68dd989dca1fdc827799d853">
   <xsd:schema xmlns:xsd="http://www.w3.org/2001/XMLSchema" xmlns:xs="http://www.w3.org/2001/XMLSchema" xmlns:p="http://schemas.microsoft.com/office/2006/metadata/properties" xmlns:ns2="71af3243-3dd4-4a8d-8c0d-dd76da1f02a5" xmlns:ns3="16c05727-aa75-4e4a-9b5f-8a80a1165891" targetNamespace="http://schemas.microsoft.com/office/2006/metadata/properties" ma:root="true" ma:fieldsID="1911b479caf7b199da365455750e4572" ns2:_="" ns3:_="">
     <xsd:import namespace="71af3243-3dd4-4a8d-8c0d-dd76da1f02a5"/>
@@ -9385,25 +9367,25 @@
 </ct:contentTypeSchema>
 </file>
 
-<file path=customXml/itemProps1.xml><?xml version="1.0" encoding="utf-8"?>
-<ds:datastoreItem xmlns:ds="http://schemas.openxmlformats.org/officeDocument/2006/customXml" ds:itemID="{ADC43B05-D266-4257-98DE-FF9D8CEDAE76}">
-  <ds:schemaRefs>
-    <ds:schemaRef ds:uri="http://schemas.microsoft.com/office/2006/metadata/properties"/>
-    <ds:schemaRef ds:uri="http://schemas.microsoft.com/office/infopath/2007/PartnerControls"/>
-    <ds:schemaRef ds:uri="71af3243-3dd4-4a8d-8c0d-dd76da1f02a5"/>
-  </ds:schemaRefs>
-</ds:datastoreItem>
+<file path=customXml/item2.xml><?xml version="1.0" encoding="utf-8"?>
+<?mso-contentType ?>
+<FormTemplates xmlns="http://schemas.microsoft.com/sharepoint/v3/contenttype/forms">
+  <Display>DocumentLibraryForm</Display>
+  <Edit>DocumentLibraryForm</Edit>
+  <New>DocumentLibraryForm</New>
+</FormTemplates>
 </file>
 
-<file path=customXml/itemProps2.xml><?xml version="1.0" encoding="utf-8"?>
-<ds:datastoreItem xmlns:ds="http://schemas.openxmlformats.org/officeDocument/2006/customXml" ds:itemID="{8435A0B9-5F49-415F-9BEE-591FDACE98D1}">
-  <ds:schemaRefs>
-    <ds:schemaRef ds:uri="http://schemas.microsoft.com/sharepoint/v3/contenttype/forms"/>
-  </ds:schemaRefs>
-</ds:datastoreItem>
+<file path=customXml/item3.xml><?xml version="1.0" encoding="utf-8"?>
+<p:properties xmlns:p="http://schemas.microsoft.com/office/2006/metadata/properties" xmlns:xsi="http://www.w3.org/2001/XMLSchema-instance" xmlns:pc="http://schemas.microsoft.com/office/infopath/2007/PartnerControls">
+  <documentManagement>
+    <Status xmlns="71af3243-3dd4-4a8d-8c0d-dd76da1f02a5">Not started</Status>
+    <MediaServiceKeyPoints xmlns="71af3243-3dd4-4a8d-8c0d-dd76da1f02a5" xsi:nil="true"/>
+  </documentManagement>
+</p:properties>
 </file>
 
-<file path=customXml/itemProps3.xml><?xml version="1.0" encoding="utf-8"?>
+<file path=customXml/itemProps1.xml><?xml version="1.0" encoding="utf-8"?>
 <ds:datastoreItem xmlns:ds="http://schemas.openxmlformats.org/officeDocument/2006/customXml" ds:itemID="{EB17DF47-B23F-4BE1-BFEA-606A2B278818}">
   <ds:schemaRefs>
     <ds:schemaRef ds:uri="http://schemas.microsoft.com/office/2006/metadata/contentType"/>
@@ -9420,4 +9402,22 @@
     <ds:schemaRef ds:uri="http://schemas.microsoft.com/internal/obd"/>
   </ds:schemaRefs>
 </ds:datastoreItem>
+</file>
+
+<file path=customXml/itemProps2.xml><?xml version="1.0" encoding="utf-8"?>
+<ds:datastoreItem xmlns:ds="http://schemas.openxmlformats.org/officeDocument/2006/customXml" ds:itemID="{8435A0B9-5F49-415F-9BEE-591FDACE98D1}">
+  <ds:schemaRefs>
+    <ds:schemaRef ds:uri="http://schemas.microsoft.com/sharepoint/v3/contenttype/forms"/>
+  </ds:schemaRefs>
+</ds:datastoreItem>
+</file>
+
+<file path=customXml/itemProps3.xml><?xml version="1.0" encoding="utf-8"?>
+<ds:datastoreItem xmlns:ds="http://schemas.openxmlformats.org/officeDocument/2006/customXml" ds:itemID="{ADC43B05-D266-4257-98DE-FF9D8CEDAE76}">
+  <ds:schemaRefs>
+    <ds:schemaRef ds:uri="http://schemas.microsoft.com/office/2006/metadata/properties"/>
+    <ds:schemaRef ds:uri="http://schemas.microsoft.com/office/infopath/2007/PartnerControls"/>
+    <ds:schemaRef ds:uri="71af3243-3dd4-4a8d-8c0d-dd76da1f02a5"/>
+  </ds:schemaRefs>
+</ds:datastoreItem>
 </file>
--- a/HyperRail/Admin/HyperRail Overview.pptx
+++ b/HyperRail/Admin/HyperRail Overview.pptx
@@ -220,7 +220,7 @@
           <a:p>
             <a:fld id="{BB37BDEB-D08A-4BCC-82C3-65677B6346BB}" type="datetimeFigureOut">
               <a:rPr lang="en-US" smtClean="0"/>
-              <a:t>2/5/2021</a:t>
+              <a:t>2/9/2021</a:t>
             </a:fld>
             <a:endParaRPr lang="en-US"/>
           </a:p>
@@ -397,7 +397,7 @@
           <a:p>
             <a:fld id="{D64182BB-4E27-4552-8EE4-33C8EF731305}" type="datetimeFigureOut">
               <a:rPr lang="en-US" smtClean="0"/>
-              <a:t>2/5/2021</a:t>
+              <a:t>2/9/2021</a:t>
             </a:fld>
             <a:endParaRPr lang="en-US"/>
           </a:p>
@@ -902,7 +902,7 @@
           <a:p>
             <a:fld id="{ED291B17-9318-49DB-B28B-6E5994AE9581}" type="datetime1">
               <a:rPr lang="en-US" smtClean="0"/>
-              <a:t>2/5/2021</a:t>
+              <a:t>2/9/2021</a:t>
             </a:fld>
             <a:endParaRPr lang="en-US" dirty="0"/>
           </a:p>
@@ -1061,7 +1061,7 @@
           <a:p>
             <a:fld id="{4EDE50D6-574B-40AF-946F-D52A04ADE379}" type="datetime1">
               <a:rPr lang="en-US" smtClean="0"/>
-              <a:t>2/5/2021</a:t>
+              <a:t>2/9/2021</a:t>
             </a:fld>
             <a:endParaRPr lang="en-US" dirty="0"/>
           </a:p>
@@ -1473,7 +1473,7 @@
           <a:p>
             <a:fld id="{4EDE50D6-574B-40AF-946F-D52A04ADE379}" type="datetime1">
               <a:rPr lang="en-US" smtClean="0"/>
-              <a:t>2/5/2021</a:t>
+              <a:t>2/9/2021</a:t>
             </a:fld>
             <a:endParaRPr lang="en-US" dirty="0"/>
           </a:p>
@@ -1949,7 +1949,7 @@
           <a:p>
             <a:fld id="{4EDE50D6-574B-40AF-946F-D52A04ADE379}" type="datetime1">
               <a:rPr lang="en-US" smtClean="0"/>
-              <a:t>2/5/2021</a:t>
+              <a:t>2/9/2021</a:t>
             </a:fld>
             <a:endParaRPr lang="en-US" dirty="0"/>
           </a:p>
@@ -2398,7 +2398,7 @@
           <a:p>
             <a:fld id="{4EDE50D6-574B-40AF-946F-D52A04ADE379}" type="datetime1">
               <a:rPr lang="en-US" smtClean="0"/>
-              <a:t>2/5/2021</a:t>
+              <a:t>2/9/2021</a:t>
             </a:fld>
             <a:endParaRPr lang="en-US" dirty="0"/>
           </a:p>
@@ -2630,7 +2630,7 @@
           <a:p>
             <a:fld id="{4EDE50D6-574B-40AF-946F-D52A04ADE379}" type="datetime1">
               <a:rPr lang="en-US" noProof="0" smtClean="0"/>
-              <a:t>2/5/2021</a:t>
+              <a:t>2/9/2021</a:t>
             </a:fld>
             <a:endParaRPr lang="en-US" noProof="0"/>
           </a:p>
@@ -3328,7 +3328,7 @@
           <a:p>
             <a:fld id="{4EDE50D6-574B-40AF-946F-D52A04ADE379}" type="datetime1">
               <a:rPr lang="en-US" noProof="0" smtClean="0"/>
-              <a:t>2/5/2021</a:t>
+              <a:t>2/9/2021</a:t>
             </a:fld>
             <a:endParaRPr lang="en-US" noProof="0"/>
           </a:p>
@@ -3685,7 +3685,7 @@
           <a:p>
             <a:fld id="{4EDE50D6-574B-40AF-946F-D52A04ADE379}" type="datetime1">
               <a:rPr lang="en-US" noProof="0" smtClean="0"/>
-              <a:t>2/5/2021</a:t>
+              <a:t>2/9/2021</a:t>
             </a:fld>
             <a:endParaRPr lang="en-US" noProof="0"/>
           </a:p>
@@ -4247,7 +4247,7 @@
           <a:p>
             <a:fld id="{78DD82B9-B8EE-4375-B6FF-88FA6ABB15D9}" type="datetime1">
               <a:rPr lang="en-US" smtClean="0"/>
-              <a:t>2/5/2021</a:t>
+              <a:t>2/9/2021</a:t>
             </a:fld>
             <a:endParaRPr lang="en-US" dirty="0"/>
           </a:p>
@@ -4595,7 +4595,7 @@
           <a:p>
             <a:fld id="{78DD82B9-B8EE-4375-B6FF-88FA6ABB15D9}" type="datetime1">
               <a:rPr lang="en-US" smtClean="0"/>
-              <a:t>2/5/2021</a:t>
+              <a:t>2/9/2021</a:t>
             </a:fld>
             <a:endParaRPr lang="en-US" dirty="0"/>
           </a:p>
@@ -4998,7 +4998,7 @@
           <a:p>
             <a:fld id="{B2497495-0637-405E-AE64-5CC7506D51F5}" type="datetime1">
               <a:rPr lang="en-US" smtClean="0"/>
-              <a:t>2/5/2021</a:t>
+              <a:t>2/9/2021</a:t>
             </a:fld>
             <a:endParaRPr lang="en-US" dirty="0"/>
           </a:p>
@@ -5291,7 +5291,7 @@
           <a:p>
             <a:fld id="{7BFFD690-9426-415D-8B65-26881E07B2D4}" type="datetime1">
               <a:rPr lang="en-US" smtClean="0"/>
-              <a:t>2/5/2021</a:t>
+              <a:t>2/9/2021</a:t>
             </a:fld>
             <a:endParaRPr lang="en-US" dirty="0"/>
           </a:p>
@@ -5785,7 +5785,7 @@
           <a:p>
             <a:fld id="{04C4989A-474C-40DE-95B9-011C28B71673}" type="datetime1">
               <a:rPr lang="en-US" smtClean="0"/>
-              <a:t>2/5/2021</a:t>
+              <a:t>2/9/2021</a:t>
             </a:fld>
             <a:endParaRPr lang="en-US" dirty="0"/>
           </a:p>
@@ -6089,7 +6089,7 @@
           <a:p>
             <a:fld id="{5DB4ED54-5B5E-4A04-93D3-5772E3CE3818}" type="datetime1">
               <a:rPr lang="en-US" smtClean="0"/>
-              <a:t>2/5/2021</a:t>
+              <a:t>2/9/2021</a:t>
             </a:fld>
             <a:endParaRPr lang="en-US" dirty="0"/>
           </a:p>
@@ -6276,7 +6276,7 @@
           <a:p>
             <a:fld id="{4EDE50D6-574B-40AF-946F-D52A04ADE379}" type="datetime1">
               <a:rPr lang="en-US" smtClean="0"/>
-              <a:t>2/5/2021</a:t>
+              <a:t>2/9/2021</a:t>
             </a:fld>
             <a:endParaRPr lang="en-US" dirty="0"/>
           </a:p>
@@ -6488,7 +6488,7 @@
           <a:p>
             <a:fld id="{4EDE50D6-574B-40AF-946F-D52A04ADE379}" type="datetime1">
               <a:rPr lang="en-US" smtClean="0"/>
-              <a:t>2/5/2021</a:t>
+              <a:t>2/9/2021</a:t>
             </a:fld>
             <a:endParaRPr lang="en-US" dirty="0"/>
           </a:p>
@@ -6920,7 +6920,7 @@
           <a:p>
             <a:fld id="{ED291B17-9318-49DB-B28B-6E5994AE9581}" type="datetime1">
               <a:rPr lang="en-US" smtClean="0"/>
-              <a:t>2/5/2021</a:t>
+              <a:t>2/9/2021</a:t>
             </a:fld>
             <a:endParaRPr lang="en-US" dirty="0"/>
           </a:p>
@@ -7892,7 +7892,7 @@
             <a:pPr lvl="1"/>
             <a:r>
               <a:rPr lang="en-US" dirty="0"/>
-              <a:t>Fall 2021: 4 Project Credits </a:t>
+              <a:t>Fall 2021: 2 Project Credits </a:t>
             </a:r>
           </a:p>
           <a:p>
@@ -7906,7 +7906,7 @@
             <a:pPr lvl="1"/>
             <a:r>
               <a:rPr lang="en-US" dirty="0"/>
-              <a:t>Spring 2022: 6 Project Credits </a:t>
+              <a:t>Spring 2022: 4 Project Credits </a:t>
             </a:r>
           </a:p>
         </p:txBody>
@@ -8275,6 +8275,25 @@
               <a:rPr lang="en-US" dirty="0"/>
               <a:t>Created discord server for Junior Design groups and am currently helping them figure out implementations / debug</a:t>
             </a:r>
+          </a:p>
+          <a:p>
+            <a:r>
+              <a:rPr lang="en-US" dirty="0"/>
+              <a:t>Working with </a:t>
+            </a:r>
+            <a:r>
+              <a:rPr lang="en-US" dirty="0" err="1"/>
+              <a:t>STEMbassadors</a:t>
+            </a:r>
+            <a:r>
+              <a:rPr lang="en-US" dirty="0"/>
+              <a:t> for support in manufacturing </a:t>
+            </a:r>
+            <a:r>
+              <a:rPr lang="en-US"/>
+              <a:t>/ design</a:t>
+            </a:r>
+            <a:endParaRPr lang="en-US" dirty="0"/>
           </a:p>
         </p:txBody>
       </p:sp>
@@ -9147,6 +9166,24 @@
 </file>
 
 <file path=customXml/item1.xml><?xml version="1.0" encoding="utf-8"?>
+<p:properties xmlns:p="http://schemas.microsoft.com/office/2006/metadata/properties" xmlns:xsi="http://www.w3.org/2001/XMLSchema-instance" xmlns:pc="http://schemas.microsoft.com/office/infopath/2007/PartnerControls">
+  <documentManagement>
+    <Status xmlns="71af3243-3dd4-4a8d-8c0d-dd76da1f02a5">Not started</Status>
+    <MediaServiceKeyPoints xmlns="71af3243-3dd4-4a8d-8c0d-dd76da1f02a5" xsi:nil="true"/>
+  </documentManagement>
+</p:properties>
+</file>
+
+<file path=customXml/item2.xml><?xml version="1.0" encoding="utf-8"?>
+<?mso-contentType ?>
+<FormTemplates xmlns="http://schemas.microsoft.com/sharepoint/v3/contenttype/forms">
+  <Display>DocumentLibraryForm</Display>
+  <Edit>DocumentLibraryForm</Edit>
+  <New>DocumentLibraryForm</New>
+</FormTemplates>
+</file>
+
+<file path=customXml/item3.xml><?xml version="1.0" encoding="utf-8"?>
 <ct:contentTypeSchema xmlns:ct="http://schemas.microsoft.com/office/2006/metadata/contentType" xmlns:ma="http://schemas.microsoft.com/office/2006/metadata/properties/metaAttributes" ct:_="" ma:_="" ma:contentTypeName="Document" ma:contentTypeID="0x01010079F111ED35F8CC479449609E8A0923A6" ma:contentTypeVersion="12" ma:contentTypeDescription="Create a new document." ma:contentTypeScope="" ma:versionID="b385d60f68dd989dca1fdc827799d853">
   <xsd:schema xmlns:xsd="http://www.w3.org/2001/XMLSchema" xmlns:xs="http://www.w3.org/2001/XMLSchema" xmlns:p="http://schemas.microsoft.com/office/2006/metadata/properties" xmlns:ns2="71af3243-3dd4-4a8d-8c0d-dd76da1f02a5" xmlns:ns3="16c05727-aa75-4e4a-9b5f-8a80a1165891" targetNamespace="http://schemas.microsoft.com/office/2006/metadata/properties" ma:root="true" ma:fieldsID="1911b479caf7b199da365455750e4572" ns2:_="" ns3:_="">
     <xsd:import namespace="71af3243-3dd4-4a8d-8c0d-dd76da1f02a5"/>
@@ -9367,25 +9404,25 @@
 </ct:contentTypeSchema>
 </file>
 
-<file path=customXml/item2.xml><?xml version="1.0" encoding="utf-8"?>
-<?mso-contentType ?>
-<FormTemplates xmlns="http://schemas.microsoft.com/sharepoint/v3/contenttype/forms">
-  <Display>DocumentLibraryForm</Display>
-  <Edit>DocumentLibraryForm</Edit>
-  <New>DocumentLibraryForm</New>
-</FormTemplates>
+<file path=customXml/itemProps1.xml><?xml version="1.0" encoding="utf-8"?>
+<ds:datastoreItem xmlns:ds="http://schemas.openxmlformats.org/officeDocument/2006/customXml" ds:itemID="{ADC43B05-D266-4257-98DE-FF9D8CEDAE76}">
+  <ds:schemaRefs>
+    <ds:schemaRef ds:uri="http://schemas.microsoft.com/office/2006/metadata/properties"/>
+    <ds:schemaRef ds:uri="http://schemas.microsoft.com/office/infopath/2007/PartnerControls"/>
+    <ds:schemaRef ds:uri="71af3243-3dd4-4a8d-8c0d-dd76da1f02a5"/>
+  </ds:schemaRefs>
+</ds:datastoreItem>
 </file>
 
-<file path=customXml/item3.xml><?xml version="1.0" encoding="utf-8"?>
-<p:properties xmlns:p="http://schemas.microsoft.com/office/2006/metadata/properties" xmlns:xsi="http://www.w3.org/2001/XMLSchema-instance" xmlns:pc="http://schemas.microsoft.com/office/infopath/2007/PartnerControls">
-  <documentManagement>
-    <Status xmlns="71af3243-3dd4-4a8d-8c0d-dd76da1f02a5">Not started</Status>
-    <MediaServiceKeyPoints xmlns="71af3243-3dd4-4a8d-8c0d-dd76da1f02a5" xsi:nil="true"/>
-  </documentManagement>
-</p:properties>
+<file path=customXml/itemProps2.xml><?xml version="1.0" encoding="utf-8"?>
+<ds:datastoreItem xmlns:ds="http://schemas.openxmlformats.org/officeDocument/2006/customXml" ds:itemID="{8435A0B9-5F49-415F-9BEE-591FDACE98D1}">
+  <ds:schemaRefs>
+    <ds:schemaRef ds:uri="http://schemas.microsoft.com/sharepoint/v3/contenttype/forms"/>
+  </ds:schemaRefs>
+</ds:datastoreItem>
 </file>
 
-<file path=customXml/itemProps1.xml><?xml version="1.0" encoding="utf-8"?>
+<file path=customXml/itemProps3.xml><?xml version="1.0" encoding="utf-8"?>
 <ds:datastoreItem xmlns:ds="http://schemas.openxmlformats.org/officeDocument/2006/customXml" ds:itemID="{EB17DF47-B23F-4BE1-BFEA-606A2B278818}">
   <ds:schemaRefs>
     <ds:schemaRef ds:uri="http://schemas.microsoft.com/office/2006/metadata/contentType"/>
@@ -9402,22 +9439,4 @@
     <ds:schemaRef ds:uri="http://schemas.microsoft.com/internal/obd"/>
   </ds:schemaRefs>
 </ds:datastoreItem>
-</file>
-
-<file path=customXml/itemProps2.xml><?xml version="1.0" encoding="utf-8"?>
-<ds:datastoreItem xmlns:ds="http://schemas.openxmlformats.org/officeDocument/2006/customXml" ds:itemID="{8435A0B9-5F49-415F-9BEE-591FDACE98D1}">
-  <ds:schemaRefs>
-    <ds:schemaRef ds:uri="http://schemas.microsoft.com/sharepoint/v3/contenttype/forms"/>
-  </ds:schemaRefs>
-</ds:datastoreItem>
-</file>
-
-<file path=customXml/itemProps3.xml><?xml version="1.0" encoding="utf-8"?>
-<ds:datastoreItem xmlns:ds="http://schemas.openxmlformats.org/officeDocument/2006/customXml" ds:itemID="{ADC43B05-D266-4257-98DE-FF9D8CEDAE76}">
-  <ds:schemaRefs>
-    <ds:schemaRef ds:uri="http://schemas.microsoft.com/office/2006/metadata/properties"/>
-    <ds:schemaRef ds:uri="http://schemas.microsoft.com/office/infopath/2007/PartnerControls"/>
-    <ds:schemaRef ds:uri="71af3243-3dd4-4a8d-8c0d-dd76da1f02a5"/>
-  </ds:schemaRefs>
-</ds:datastoreItem>
 </file>